--- a/doc/Kar_Debasis_-_Thesis_Defense.pptx
+++ b/doc/Kar_Debasis_-_Thesis_Defense.pptx
@@ -238,7 +238,7 @@
           <a:p>
             <a:fld id="{9664AA09-9BD8-4051-9386-601D99B9B811}" type="datetimeFigureOut">
               <a:rPr lang="en-US" smtClean="0"/>
-              <a:t>3/22/2016</a:t>
+              <a:t>3/23/2016</a:t>
             </a:fld>
             <a:endParaRPr lang="en-US"/>
           </a:p>
@@ -768,7 +768,7 @@
           <a:effectLst/>
           <a:extLst>
             <a:ext uri="{909E8E84-426E-40dd-AFC4-6F175D3DCCD1}">
-              <a14:hiddenFill xmlns:a14="http://schemas.microsoft.com/office/drawing/2010/main" xmlns="">
+              <a14:hiddenFill xmlns="" xmlns:a14="http://schemas.microsoft.com/office/drawing/2010/main">
                 <a:solidFill>
                   <a:srgbClr val="FFFFFF"/>
                 </a:solidFill>
@@ -893,7 +893,7 @@
             <a:noFill/>
             <a:extLst>
               <a:ext uri="{909E8E84-426E-40dd-AFC4-6F175D3DCCD1}">
-                <a14:hiddenFill xmlns:a14="http://schemas.microsoft.com/office/drawing/2010/main" xmlns="">
+                <a14:hiddenFill xmlns="" xmlns:a14="http://schemas.microsoft.com/office/drawing/2010/main">
                   <a:solidFill>
                     <a:srgbClr val="FFFFFF"/>
                   </a:solidFill>
@@ -4857,7 +4857,7 @@
             <a:noFill/>
             <a:extLst>
               <a:ext uri="{909E8E84-426E-40dd-AFC4-6F175D3DCCD1}">
-                <a14:hiddenFill xmlns:a14="http://schemas.microsoft.com/office/drawing/2010/main" xmlns="">
+                <a14:hiddenFill xmlns="" xmlns:a14="http://schemas.microsoft.com/office/drawing/2010/main">
                   <a:solidFill>
                     <a:srgbClr val="FFFFFF"/>
                   </a:solidFill>
@@ -5969,7 +5969,7 @@
             <a:noFill/>
             <a:extLst>
               <a:ext uri="{909E8E84-426E-40dd-AFC4-6F175D3DCCD1}">
-                <a14:hiddenFill xmlns:a14="http://schemas.microsoft.com/office/drawing/2010/main" xmlns="">
+                <a14:hiddenFill xmlns="" xmlns:a14="http://schemas.microsoft.com/office/drawing/2010/main">
                   <a:solidFill>
                     <a:srgbClr val="FFFFFF"/>
                   </a:solidFill>
@@ -7106,7 +7106,7 @@
           </a:effectLst>
           <a:extLst>
             <a:ext uri="{909E8E84-426E-40dd-AFC4-6F175D3DCCD1}">
-              <a14:hiddenFill xmlns:a14="http://schemas.microsoft.com/office/drawing/2010/main" xmlns="">
+              <a14:hiddenFill xmlns="" xmlns:a14="http://schemas.microsoft.com/office/drawing/2010/main">
                 <a:solidFill>
                   <a:srgbClr val="FFFFFF"/>
                 </a:solidFill>
@@ -12733,11 +12733,7 @@
           <a:p>
             <a:r>
               <a:rPr lang="en-GB" dirty="0" smtClean="0"/>
-              <a:t>Case Study : XML Excerpt of </a:t>
-            </a:r>
-            <a:r>
-              <a:rPr lang="en-GB" dirty="0" smtClean="0"/>
-              <a:t>Process Repository</a:t>
+              <a:t>Case Study : XML Excerpt of Process Repository</a:t>
             </a:r>
             <a:endParaRPr lang="en-US" dirty="0"/>
           </a:p>
@@ -12800,11 +12796,7 @@
           <a:p>
             <a:r>
               <a:rPr lang="en-GB" dirty="0" smtClean="0"/>
-              <a:t>Case Study : </a:t>
-            </a:r>
-            <a:r>
-              <a:rPr lang="en-GB" dirty="0" smtClean="0"/>
-              <a:t>Execution Sequence of Sub-components</a:t>
+              <a:t>Case Study : Execution Sequence of Sub-components</a:t>
             </a:r>
             <a:endParaRPr lang="en-US" dirty="0"/>
           </a:p>
@@ -12895,11 +12887,7 @@
             </a:r>
             <a:r>
               <a:rPr lang="en-GB" smtClean="0"/>
-              <a:t>: </a:t>
-            </a:r>
-            <a:r>
-              <a:rPr lang="en-GB" smtClean="0"/>
-              <a:t>CES Meta Model</a:t>
+              <a:t>: CES Meta Model</a:t>
             </a:r>
             <a:endParaRPr lang="en-US" dirty="0"/>
           </a:p>
@@ -18178,15 +18166,7 @@
             </a:pPr>
             <a:r>
               <a:rPr lang="en-GB" dirty="0" smtClean="0"/>
-              <a:t>We </a:t>
-            </a:r>
-            <a:r>
-              <a:rPr lang="en-GB" dirty="0" smtClean="0"/>
-              <a:t>will </a:t>
-            </a:r>
-            <a:r>
-              <a:rPr lang="en-GB" dirty="0" smtClean="0"/>
-              <a:t>like to</a:t>
+              <a:t>We will like to</a:t>
             </a:r>
             <a:endParaRPr lang="en-US" dirty="0" smtClean="0"/>
           </a:p>
@@ -19642,13 +19622,8 @@
             </a:r>
             <a:r>
               <a:rPr lang="en-US" sz="2400" dirty="0" smtClean="0"/>
-              <a:t>context, i.e., characteristic of an entity or </a:t>
-            </a:r>
-            <a:r>
-              <a:rPr lang="en-US" sz="2400" dirty="0" smtClean="0"/>
-              <a:t>situation</a:t>
-            </a:r>
-            <a:endParaRPr lang="en-US" sz="2400" dirty="0" smtClean="0"/>
+              <a:t>context, i.e., characteristic of an entity or situation</a:t>
+            </a:r>
           </a:p>
           <a:p>
             <a:pPr lvl="1"/>
@@ -19664,7 +19639,6 @@
               <a:rPr lang="en-US" sz="2000" dirty="0" smtClean="0"/>
               <a:t>&gt;</a:t>
             </a:r>
-            <a:endParaRPr lang="en-US" sz="2000" dirty="0" smtClean="0"/>
           </a:p>
           <a:p>
             <a:r>
@@ -19701,11 +19675,7 @@
             </a:r>
             <a:r>
               <a:rPr lang="en-US" sz="2400" dirty="0" smtClean="0"/>
-              <a:t>IoT and </a:t>
-            </a:r>
-            <a:r>
-              <a:rPr lang="en-US" sz="2400" dirty="0" smtClean="0"/>
-              <a:t>CPS</a:t>
+              <a:t>IoT and CPS</a:t>
             </a:r>
             <a:r>
               <a:rPr lang="en-US" sz="2400" dirty="0"/>
